--- a/Team Logo.pptx
+++ b/Team Logo.pptx
@@ -104,6 +104,11 @@
       </a:defRPr>
     </a:lvl9pPr>
   </p:defaultTextStyle>
+  <p:extLst>
+    <p:ext uri="{EFAFB233-063F-42B5-8137-9DF3F51BA10A}">
+      <p15:sldGuideLst xmlns:p15="http://schemas.microsoft.com/office/powerpoint/2012/main"/>
+    </p:ext>
+  </p:extLst>
 </p:presentation>
 </file>
 
@@ -254,7 +259,7 @@
           <a:p>
             <a:fld id="{7D9D1E41-969B-4140-9376-7EA86CB6E2AF}" type="datetimeFigureOut">
               <a:rPr lang="en-US" smtClean="0"/>
-              <a:t>9/16/2021</a:t>
+              <a:t>9/17/2021</a:t>
             </a:fld>
             <a:endParaRPr lang="en-US"/>
           </a:p>
@@ -452,7 +457,7 @@
           <a:p>
             <a:fld id="{7D9D1E41-969B-4140-9376-7EA86CB6E2AF}" type="datetimeFigureOut">
               <a:rPr lang="en-US" smtClean="0"/>
-              <a:t>9/16/2021</a:t>
+              <a:t>9/17/2021</a:t>
             </a:fld>
             <a:endParaRPr lang="en-US"/>
           </a:p>
@@ -660,7 +665,7 @@
           <a:p>
             <a:fld id="{7D9D1E41-969B-4140-9376-7EA86CB6E2AF}" type="datetimeFigureOut">
               <a:rPr lang="en-US" smtClean="0"/>
-              <a:t>9/16/2021</a:t>
+              <a:t>9/17/2021</a:t>
             </a:fld>
             <a:endParaRPr lang="en-US"/>
           </a:p>
@@ -858,7 +863,7 @@
           <a:p>
             <a:fld id="{7D9D1E41-969B-4140-9376-7EA86CB6E2AF}" type="datetimeFigureOut">
               <a:rPr lang="en-US" smtClean="0"/>
-              <a:t>9/16/2021</a:t>
+              <a:t>9/17/2021</a:t>
             </a:fld>
             <a:endParaRPr lang="en-US"/>
           </a:p>
@@ -1133,7 +1138,7 @@
           <a:p>
             <a:fld id="{7D9D1E41-969B-4140-9376-7EA86CB6E2AF}" type="datetimeFigureOut">
               <a:rPr lang="en-US" smtClean="0"/>
-              <a:t>9/16/2021</a:t>
+              <a:t>9/17/2021</a:t>
             </a:fld>
             <a:endParaRPr lang="en-US"/>
           </a:p>
@@ -1398,7 +1403,7 @@
           <a:p>
             <a:fld id="{7D9D1E41-969B-4140-9376-7EA86CB6E2AF}" type="datetimeFigureOut">
               <a:rPr lang="en-US" smtClean="0"/>
-              <a:t>9/16/2021</a:t>
+              <a:t>9/17/2021</a:t>
             </a:fld>
             <a:endParaRPr lang="en-US"/>
           </a:p>
@@ -1810,7 +1815,7 @@
           <a:p>
             <a:fld id="{7D9D1E41-969B-4140-9376-7EA86CB6E2AF}" type="datetimeFigureOut">
               <a:rPr lang="en-US" smtClean="0"/>
-              <a:t>9/16/2021</a:t>
+              <a:t>9/17/2021</a:t>
             </a:fld>
             <a:endParaRPr lang="en-US"/>
           </a:p>
@@ -1951,7 +1956,7 @@
           <a:p>
             <a:fld id="{7D9D1E41-969B-4140-9376-7EA86CB6E2AF}" type="datetimeFigureOut">
               <a:rPr lang="en-US" smtClean="0"/>
-              <a:t>9/16/2021</a:t>
+              <a:t>9/17/2021</a:t>
             </a:fld>
             <a:endParaRPr lang="en-US"/>
           </a:p>
@@ -2064,7 +2069,7 @@
           <a:p>
             <a:fld id="{7D9D1E41-969B-4140-9376-7EA86CB6E2AF}" type="datetimeFigureOut">
               <a:rPr lang="en-US" smtClean="0"/>
-              <a:t>9/16/2021</a:t>
+              <a:t>9/17/2021</a:t>
             </a:fld>
             <a:endParaRPr lang="en-US"/>
           </a:p>
@@ -2375,7 +2380,7 @@
           <a:p>
             <a:fld id="{7D9D1E41-969B-4140-9376-7EA86CB6E2AF}" type="datetimeFigureOut">
               <a:rPr lang="en-US" smtClean="0"/>
-              <a:t>9/16/2021</a:t>
+              <a:t>9/17/2021</a:t>
             </a:fld>
             <a:endParaRPr lang="en-US"/>
           </a:p>
@@ -2663,7 +2668,7 @@
           <a:p>
             <a:fld id="{7D9D1E41-969B-4140-9376-7EA86CB6E2AF}" type="datetimeFigureOut">
               <a:rPr lang="en-US" smtClean="0"/>
-              <a:t>9/16/2021</a:t>
+              <a:t>9/17/2021</a:t>
             </a:fld>
             <a:endParaRPr lang="en-US"/>
           </a:p>
@@ -2904,7 +2909,7 @@
           <a:p>
             <a:fld id="{7D9D1E41-969B-4140-9376-7EA86CB6E2AF}" type="datetimeFigureOut">
               <a:rPr lang="en-US" smtClean="0"/>
-              <a:t>9/16/2021</a:t>
+              <a:t>9/17/2021</a:t>
             </a:fld>
             <a:endParaRPr lang="en-US"/>
           </a:p>
@@ -3323,10 +3328,10 @@
       </p:grpSpPr>
       <p:grpSp>
         <p:nvGrpSpPr>
-          <p:cNvPr id="15" name="Group 14">
-            <a:extLst>
-              <a:ext uri="{FF2B5EF4-FFF2-40B4-BE49-F238E27FC236}">
-                <a16:creationId xmlns:a16="http://schemas.microsoft.com/office/drawing/2014/main" id="{6A47452A-43B5-4EB2-A9B3-F492633DEC04}"/>
+          <p:cNvPr id="3" name="Group 2">
+            <a:extLst>
+              <a:ext uri="{FF2B5EF4-FFF2-40B4-BE49-F238E27FC236}">
+                <a16:creationId xmlns:a16="http://schemas.microsoft.com/office/drawing/2014/main" id="{FCBF58D0-F6F2-420F-AF5B-E9F9DF591808}"/>
               </a:ext>
             </a:extLst>
           </p:cNvPr>
@@ -3336,69 +3341,17 @@
         <p:grpSpPr>
           <a:xfrm>
             <a:off x="1165858" y="1240787"/>
-            <a:ext cx="6096000" cy="4312924"/>
+            <a:ext cx="6253364" cy="4312924"/>
             <a:chOff x="1165858" y="1240787"/>
-            <a:chExt cx="6096000" cy="4312924"/>
+            <a:chExt cx="6253364" cy="4312924"/>
           </a:xfrm>
         </p:grpSpPr>
-        <p:sp>
-          <p:nvSpPr>
-            <p:cNvPr id="12" name="Rectangle 11">
+        <p:grpSp>
+          <p:nvGrpSpPr>
+            <p:cNvPr id="2" name="Group 1">
               <a:extLst>
                 <a:ext uri="{FF2B5EF4-FFF2-40B4-BE49-F238E27FC236}">
-                  <a16:creationId xmlns:a16="http://schemas.microsoft.com/office/drawing/2014/main" id="{03F016F7-7020-411D-BE5D-0681A1D1F920}"/>
-                </a:ext>
-              </a:extLst>
-            </p:cNvPr>
-            <p:cNvSpPr/>
-            <p:nvPr/>
-          </p:nvSpPr>
-          <p:spPr>
-            <a:xfrm>
-              <a:off x="1165858" y="1240787"/>
-              <a:ext cx="6096000" cy="4312924"/>
-            </a:xfrm>
-            <a:prstGeom prst="rect">
-              <a:avLst/>
-            </a:prstGeom>
-            <a:solidFill>
-              <a:srgbClr val="002060"/>
-            </a:solidFill>
-          </p:spPr>
-          <p:style>
-            <a:lnRef idx="2">
-              <a:schemeClr val="accent1">
-                <a:shade val="50000"/>
-              </a:schemeClr>
-            </a:lnRef>
-            <a:fillRef idx="1">
-              <a:schemeClr val="accent1"/>
-            </a:fillRef>
-            <a:effectRef idx="0">
-              <a:schemeClr val="accent1"/>
-            </a:effectRef>
-            <a:fontRef idx="minor">
-              <a:schemeClr val="lt1"/>
-            </a:fontRef>
-          </p:style>
-          <p:txBody>
-            <a:bodyPr rtlCol="0" anchor="ctr"/>
-            <a:lstStyle/>
-            <a:p>
-              <a:pPr algn="ctr"/>
-              <a:r>
-                <a:rPr lang="en-US" dirty="0"/>
-                <a:t>NE</a:t>
-              </a:r>
-            </a:p>
-          </p:txBody>
-        </p:sp>
-        <p:grpSp>
-          <p:nvGrpSpPr>
-            <p:cNvPr id="13" name="Group 12">
-              <a:extLst>
-                <a:ext uri="{FF2B5EF4-FFF2-40B4-BE49-F238E27FC236}">
-                  <a16:creationId xmlns:a16="http://schemas.microsoft.com/office/drawing/2014/main" id="{F755A661-F65D-479A-A2E9-629468BB002E}"/>
+                  <a16:creationId xmlns:a16="http://schemas.microsoft.com/office/drawing/2014/main" id="{588195F5-4BEA-4AA7-83F6-FEEF2EE60893}"/>
                 </a:ext>
               </a:extLst>
             </p:cNvPr>
@@ -3407,18 +3360,70 @@
           </p:nvGrpSpPr>
           <p:grpSpPr>
             <a:xfrm>
-              <a:off x="3213735" y="1482089"/>
-              <a:ext cx="2011680" cy="3830320"/>
-              <a:chOff x="3213735" y="1304289"/>
-              <a:chExt cx="2011680" cy="3830320"/>
+              <a:off x="1165858" y="1240787"/>
+              <a:ext cx="6096000" cy="4312924"/>
+              <a:chOff x="1165858" y="1240787"/>
+              <a:chExt cx="6096000" cy="4312924"/>
             </a:xfrm>
           </p:grpSpPr>
+          <p:sp>
+            <p:nvSpPr>
+              <p:cNvPr id="12" name="Rectangle 11">
+                <a:extLst>
+                  <a:ext uri="{FF2B5EF4-FFF2-40B4-BE49-F238E27FC236}">
+                    <a16:creationId xmlns:a16="http://schemas.microsoft.com/office/drawing/2014/main" id="{03F016F7-7020-411D-BE5D-0681A1D1F920}"/>
+                  </a:ext>
+                </a:extLst>
+              </p:cNvPr>
+              <p:cNvSpPr/>
+              <p:nvPr/>
+            </p:nvSpPr>
+            <p:spPr>
+              <a:xfrm>
+                <a:off x="1165858" y="1240787"/>
+                <a:ext cx="6096000" cy="4312924"/>
+              </a:xfrm>
+              <a:prstGeom prst="rect">
+                <a:avLst/>
+              </a:prstGeom>
+              <a:solidFill>
+                <a:srgbClr val="0F4951"/>
+              </a:solidFill>
+            </p:spPr>
+            <p:style>
+              <a:lnRef idx="2">
+                <a:schemeClr val="accent1">
+                  <a:shade val="50000"/>
+                </a:schemeClr>
+              </a:lnRef>
+              <a:fillRef idx="1">
+                <a:schemeClr val="accent1"/>
+              </a:fillRef>
+              <a:effectRef idx="0">
+                <a:schemeClr val="accent1"/>
+              </a:effectRef>
+              <a:fontRef idx="minor">
+                <a:schemeClr val="lt1"/>
+              </a:fontRef>
+            </p:style>
+            <p:txBody>
+              <a:bodyPr rtlCol="0" anchor="ctr"/>
+              <a:lstStyle/>
+              <a:p>
+                <a:pPr algn="ctr"/>
+                <a:r>
+                  <a:rPr lang="en-US" dirty="0"/>
+                  <a:t>NE</a:t>
+                </a:r>
+              </a:p>
+            </p:txBody>
+          </p:sp>
           <p:grpSp>
             <p:nvGrpSpPr>
-              <p:cNvPr id="9" name="Group 8">
+              <p:cNvPr id="13" name="Group 12">
                 <a:extLst>
                   <a:ext uri="{FF2B5EF4-FFF2-40B4-BE49-F238E27FC236}">
-                    <a16:creationId xmlns:a16="http://schemas.microsoft.com/office/drawing/2014/main" id="{F937FC66-8950-41F4-BD3D-744D3D2544EF}"/>
+                    <a16:creationId xmlns:a16="http://schemas.microsoft.com/office/drawing/2014/main" id="{F755A661-F65D-479A-A2E9-629468BB002E}"/>
                   </a:ext>
                 </a:extLst>
               </p:cNvPr>
@@ -3427,165 +3432,243 @@
             </p:nvGrpSpPr>
             <p:grpSpPr>
               <a:xfrm>
-                <a:off x="3213735" y="1304289"/>
-                <a:ext cx="2011680" cy="2428241"/>
-                <a:chOff x="3048000" y="1168400"/>
-                <a:chExt cx="2011680" cy="2428241"/>
+                <a:off x="3213735" y="1482089"/>
+                <a:ext cx="2011680" cy="3830320"/>
+                <a:chOff x="3213735" y="1304289"/>
+                <a:chExt cx="2011680" cy="3830320"/>
               </a:xfrm>
+              <a:solidFill>
+                <a:srgbClr val="53AD8D"/>
+              </a:solidFill>
             </p:grpSpPr>
-            <p:sp>
-              <p:nvSpPr>
-                <p:cNvPr id="4" name="Isosceles Triangle 3">
+            <p:grpSp>
+              <p:nvGrpSpPr>
+                <p:cNvPr id="9" name="Group 8">
                   <a:extLst>
                     <a:ext uri="{FF2B5EF4-FFF2-40B4-BE49-F238E27FC236}">
-                      <a16:creationId xmlns:a16="http://schemas.microsoft.com/office/drawing/2014/main" id="{0A476DA3-A6FA-4349-B85C-00698594D984}"/>
+                      <a16:creationId xmlns:a16="http://schemas.microsoft.com/office/drawing/2014/main" id="{F937FC66-8950-41F4-BD3D-744D3D2544EF}"/>
                     </a:ext>
                   </a:extLst>
                 </p:cNvPr>
-                <p:cNvSpPr/>
+                <p:cNvGrpSpPr/>
                 <p:nvPr/>
-              </p:nvSpPr>
-              <p:spPr>
+              </p:nvGrpSpPr>
+              <p:grpSpPr>
                 <a:xfrm>
-                  <a:off x="3876675" y="1168400"/>
-                  <a:ext cx="342900" cy="2092960"/>
+                  <a:off x="3213735" y="1304289"/>
+                  <a:ext cx="2011680" cy="2428241"/>
+                  <a:chOff x="3048000" y="1168400"/>
+                  <a:chExt cx="2011680" cy="2428241"/>
                 </a:xfrm>
-                <a:prstGeom prst="triangle">
-                  <a:avLst/>
-                </a:prstGeom>
-                <a:ln>
-                  <a:noFill/>
-                </a:ln>
-              </p:spPr>
-              <p:style>
-                <a:lnRef idx="2">
-                  <a:schemeClr val="accent1">
-                    <a:shade val="50000"/>
-                  </a:schemeClr>
-                </a:lnRef>
-                <a:fillRef idx="1">
-                  <a:schemeClr val="accent1"/>
-                </a:fillRef>
-                <a:effectRef idx="0">
-                  <a:schemeClr val="accent1"/>
-                </a:effectRef>
-                <a:fontRef idx="minor">
-                  <a:schemeClr val="lt1"/>
-                </a:fontRef>
-              </p:style>
-              <p:txBody>
-                <a:bodyPr rtlCol="0" anchor="ctr"/>
-                <a:lstStyle/>
-                <a:p>
-                  <a:pPr algn="ctr"/>
-                  <a:endParaRPr lang="en-US"/>
-                </a:p>
-              </p:txBody>
-            </p:sp>
+                <a:grpFill/>
+              </p:grpSpPr>
+              <p:sp>
+                <p:nvSpPr>
+                  <p:cNvPr id="4" name="Isosceles Triangle 3">
+                    <a:extLst>
+                      <a:ext uri="{FF2B5EF4-FFF2-40B4-BE49-F238E27FC236}">
+                        <a16:creationId xmlns:a16="http://schemas.microsoft.com/office/drawing/2014/main" id="{0A476DA3-A6FA-4349-B85C-00698594D984}"/>
+                      </a:ext>
+                    </a:extLst>
+                  </p:cNvPr>
+                  <p:cNvSpPr/>
+                  <p:nvPr/>
+                </p:nvSpPr>
+                <p:spPr>
+                  <a:xfrm>
+                    <a:off x="3876675" y="1168400"/>
+                    <a:ext cx="342900" cy="2092960"/>
+                  </a:xfrm>
+                  <a:prstGeom prst="triangle">
+                    <a:avLst/>
+                  </a:prstGeom>
+                  <a:grpFill/>
+                  <a:ln>
+                    <a:noFill/>
+                  </a:ln>
+                </p:spPr>
+                <p:style>
+                  <a:lnRef idx="2">
+                    <a:schemeClr val="accent1">
+                      <a:shade val="50000"/>
+                    </a:schemeClr>
+                  </a:lnRef>
+                  <a:fillRef idx="1">
+                    <a:schemeClr val="accent1"/>
+                  </a:fillRef>
+                  <a:effectRef idx="0">
+                    <a:schemeClr val="accent1"/>
+                  </a:effectRef>
+                  <a:fontRef idx="minor">
+                    <a:schemeClr val="lt1"/>
+                  </a:fontRef>
+                </p:style>
+                <p:txBody>
+                  <a:bodyPr rtlCol="0" anchor="ctr"/>
+                  <a:lstStyle/>
+                  <a:p>
+                    <a:pPr algn="ctr"/>
+                    <a:endParaRPr lang="en-US"/>
+                  </a:p>
+                </p:txBody>
+              </p:sp>
+              <p:sp>
+                <p:nvSpPr>
+                  <p:cNvPr id="5" name="Isosceles Triangle 4">
+                    <a:extLst>
+                      <a:ext uri="{FF2B5EF4-FFF2-40B4-BE49-F238E27FC236}">
+                        <a16:creationId xmlns:a16="http://schemas.microsoft.com/office/drawing/2014/main" id="{B9490190-4573-435B-B6E1-21FE2C763EB0}"/>
+                      </a:ext>
+                    </a:extLst>
+                  </p:cNvPr>
+                  <p:cNvSpPr/>
+                  <p:nvPr/>
+                </p:nvSpPr>
+                <p:spPr>
+                  <a:xfrm>
+                    <a:off x="3048000" y="1524000"/>
+                    <a:ext cx="342900" cy="1737360"/>
+                  </a:xfrm>
+                  <a:prstGeom prst="triangle">
+                    <a:avLst/>
+                  </a:prstGeom>
+                  <a:grpFill/>
+                  <a:ln>
+                    <a:noFill/>
+                  </a:ln>
+                </p:spPr>
+                <p:style>
+                  <a:lnRef idx="2">
+                    <a:schemeClr val="accent1">
+                      <a:shade val="50000"/>
+                    </a:schemeClr>
+                  </a:lnRef>
+                  <a:fillRef idx="1">
+                    <a:schemeClr val="accent1"/>
+                  </a:fillRef>
+                  <a:effectRef idx="0">
+                    <a:schemeClr val="accent1"/>
+                  </a:effectRef>
+                  <a:fontRef idx="minor">
+                    <a:schemeClr val="lt1"/>
+                  </a:fontRef>
+                </p:style>
+                <p:txBody>
+                  <a:bodyPr rtlCol="0" anchor="ctr"/>
+                  <a:lstStyle/>
+                  <a:p>
+                    <a:pPr algn="ctr"/>
+                    <a:endParaRPr lang="en-US"/>
+                  </a:p>
+                </p:txBody>
+              </p:sp>
+              <p:sp>
+                <p:nvSpPr>
+                  <p:cNvPr id="6" name="Isosceles Triangle 5">
+                    <a:extLst>
+                      <a:ext uri="{FF2B5EF4-FFF2-40B4-BE49-F238E27FC236}">
+                        <a16:creationId xmlns:a16="http://schemas.microsoft.com/office/drawing/2014/main" id="{483F86B4-CBF6-4EAC-B317-8A5D38764313}"/>
+                      </a:ext>
+                    </a:extLst>
+                  </p:cNvPr>
+                  <p:cNvSpPr/>
+                  <p:nvPr/>
+                </p:nvSpPr>
+                <p:spPr>
+                  <a:xfrm>
+                    <a:off x="4716780" y="1524000"/>
+                    <a:ext cx="342900" cy="1737360"/>
+                  </a:xfrm>
+                  <a:prstGeom prst="triangle">
+                    <a:avLst/>
+                  </a:prstGeom>
+                  <a:grpFill/>
+                  <a:ln>
+                    <a:noFill/>
+                  </a:ln>
+                </p:spPr>
+                <p:style>
+                  <a:lnRef idx="2">
+                    <a:schemeClr val="accent1">
+                      <a:shade val="50000"/>
+                    </a:schemeClr>
+                  </a:lnRef>
+                  <a:fillRef idx="1">
+                    <a:schemeClr val="accent1"/>
+                  </a:fillRef>
+                  <a:effectRef idx="0">
+                    <a:schemeClr val="accent1"/>
+                  </a:effectRef>
+                  <a:fontRef idx="minor">
+                    <a:schemeClr val="lt1"/>
+                  </a:fontRef>
+                </p:style>
+                <p:txBody>
+                  <a:bodyPr rtlCol="0" anchor="ctr"/>
+                  <a:lstStyle/>
+                  <a:p>
+                    <a:pPr algn="ctr"/>
+                    <a:endParaRPr lang="en-US"/>
+                  </a:p>
+                </p:txBody>
+              </p:sp>
+              <p:sp>
+                <p:nvSpPr>
+                  <p:cNvPr id="7" name="Isosceles Triangle 6">
+                    <a:extLst>
+                      <a:ext uri="{FF2B5EF4-FFF2-40B4-BE49-F238E27FC236}">
+                        <a16:creationId xmlns:a16="http://schemas.microsoft.com/office/drawing/2014/main" id="{1E07BE3C-0767-43FB-BDFB-9DA34917D626}"/>
+                      </a:ext>
+                    </a:extLst>
+                  </p:cNvPr>
+                  <p:cNvSpPr/>
+                  <p:nvPr/>
+                </p:nvSpPr>
+                <p:spPr>
+                  <a:xfrm rot="10800000">
+                    <a:off x="3048000" y="3261360"/>
+                    <a:ext cx="2011680" cy="335281"/>
+                  </a:xfrm>
+                  <a:prstGeom prst="triangle">
+                    <a:avLst/>
+                  </a:prstGeom>
+                  <a:grpFill/>
+                  <a:ln>
+                    <a:noFill/>
+                  </a:ln>
+                </p:spPr>
+                <p:style>
+                  <a:lnRef idx="2">
+                    <a:schemeClr val="accent1">
+                      <a:shade val="50000"/>
+                    </a:schemeClr>
+                  </a:lnRef>
+                  <a:fillRef idx="1">
+                    <a:schemeClr val="accent1"/>
+                  </a:fillRef>
+                  <a:effectRef idx="0">
+                    <a:schemeClr val="accent1"/>
+                  </a:effectRef>
+                  <a:fontRef idx="minor">
+                    <a:schemeClr val="lt1"/>
+                  </a:fontRef>
+                </p:style>
+                <p:txBody>
+                  <a:bodyPr rtlCol="0" anchor="ctr"/>
+                  <a:lstStyle/>
+                  <a:p>
+                    <a:pPr algn="ctr"/>
+                    <a:endParaRPr lang="en-US"/>
+                  </a:p>
+                </p:txBody>
+              </p:sp>
+            </p:grpSp>
             <p:sp>
               <p:nvSpPr>
-                <p:cNvPr id="5" name="Isosceles Triangle 4">
+                <p:cNvPr id="11" name="Isosceles Triangle 10">
                   <a:extLst>
                     <a:ext uri="{FF2B5EF4-FFF2-40B4-BE49-F238E27FC236}">
-                      <a16:creationId xmlns:a16="http://schemas.microsoft.com/office/drawing/2014/main" id="{B9490190-4573-435B-B6E1-21FE2C763EB0}"/>
-                    </a:ext>
-                  </a:extLst>
-                </p:cNvPr>
-                <p:cNvSpPr/>
-                <p:nvPr/>
-              </p:nvSpPr>
-              <p:spPr>
-                <a:xfrm>
-                  <a:off x="3048000" y="1524000"/>
-                  <a:ext cx="342900" cy="1737360"/>
-                </a:xfrm>
-                <a:prstGeom prst="triangle">
-                  <a:avLst/>
-                </a:prstGeom>
-                <a:ln>
-                  <a:noFill/>
-                </a:ln>
-              </p:spPr>
-              <p:style>
-                <a:lnRef idx="2">
-                  <a:schemeClr val="accent1">
-                    <a:shade val="50000"/>
-                  </a:schemeClr>
-                </a:lnRef>
-                <a:fillRef idx="1">
-                  <a:schemeClr val="accent1"/>
-                </a:fillRef>
-                <a:effectRef idx="0">
-                  <a:schemeClr val="accent1"/>
-                </a:effectRef>
-                <a:fontRef idx="minor">
-                  <a:schemeClr val="lt1"/>
-                </a:fontRef>
-              </p:style>
-              <p:txBody>
-                <a:bodyPr rtlCol="0" anchor="ctr"/>
-                <a:lstStyle/>
-                <a:p>
-                  <a:pPr algn="ctr"/>
-                  <a:endParaRPr lang="en-US"/>
-                </a:p>
-              </p:txBody>
-            </p:sp>
-            <p:sp>
-              <p:nvSpPr>
-                <p:cNvPr id="6" name="Isosceles Triangle 5">
-                  <a:extLst>
-                    <a:ext uri="{FF2B5EF4-FFF2-40B4-BE49-F238E27FC236}">
-                      <a16:creationId xmlns:a16="http://schemas.microsoft.com/office/drawing/2014/main" id="{483F86B4-CBF6-4EAC-B317-8A5D38764313}"/>
-                    </a:ext>
-                  </a:extLst>
-                </p:cNvPr>
-                <p:cNvSpPr/>
-                <p:nvPr/>
-              </p:nvSpPr>
-              <p:spPr>
-                <a:xfrm>
-                  <a:off x="4716780" y="1524000"/>
-                  <a:ext cx="342900" cy="1737360"/>
-                </a:xfrm>
-                <a:prstGeom prst="triangle">
-                  <a:avLst/>
-                </a:prstGeom>
-                <a:ln>
-                  <a:noFill/>
-                </a:ln>
-              </p:spPr>
-              <p:style>
-                <a:lnRef idx="2">
-                  <a:schemeClr val="accent1">
-                    <a:shade val="50000"/>
-                  </a:schemeClr>
-                </a:lnRef>
-                <a:fillRef idx="1">
-                  <a:schemeClr val="accent1"/>
-                </a:fillRef>
-                <a:effectRef idx="0">
-                  <a:schemeClr val="accent1"/>
-                </a:effectRef>
-                <a:fontRef idx="minor">
-                  <a:schemeClr val="lt1"/>
-                </a:fontRef>
-              </p:style>
-              <p:txBody>
-                <a:bodyPr rtlCol="0" anchor="ctr"/>
-                <a:lstStyle/>
-                <a:p>
-                  <a:pPr algn="ctr"/>
-                  <a:endParaRPr lang="en-US"/>
-                </a:p>
-              </p:txBody>
-            </p:sp>
-            <p:sp>
-              <p:nvSpPr>
-                <p:cNvPr id="7" name="Isosceles Triangle 6">
-                  <a:extLst>
-                    <a:ext uri="{FF2B5EF4-FFF2-40B4-BE49-F238E27FC236}">
-                      <a16:creationId xmlns:a16="http://schemas.microsoft.com/office/drawing/2014/main" id="{1E07BE3C-0767-43FB-BDFB-9DA34917D626}"/>
+                      <a16:creationId xmlns:a16="http://schemas.microsoft.com/office/drawing/2014/main" id="{14E1B862-EABB-458E-B2EE-473F3D960E16}"/>
                     </a:ext>
                   </a:extLst>
                 </p:cNvPr>
@@ -3594,12 +3677,13 @@
               </p:nvSpPr>
               <p:spPr>
                 <a:xfrm rot="10800000">
-                  <a:off x="3048000" y="3261360"/>
-                  <a:ext cx="2011680" cy="335281"/>
+                  <a:off x="4042409" y="3564890"/>
+                  <a:ext cx="342900" cy="1569719"/>
                 </a:xfrm>
                 <a:prstGeom prst="triangle">
                   <a:avLst/>
                 </a:prstGeom>
+                <a:grpFill/>
                 <a:ln>
                   <a:noFill/>
                 </a:ln>
@@ -3630,55 +3714,6 @@
               </p:txBody>
             </p:sp>
           </p:grpSp>
-          <p:sp>
-            <p:nvSpPr>
-              <p:cNvPr id="11" name="Isosceles Triangle 10">
-                <a:extLst>
-                  <a:ext uri="{FF2B5EF4-FFF2-40B4-BE49-F238E27FC236}">
-                    <a16:creationId xmlns:a16="http://schemas.microsoft.com/office/drawing/2014/main" id="{14E1B862-EABB-458E-B2EE-473F3D960E16}"/>
-                  </a:ext>
-                </a:extLst>
-              </p:cNvPr>
-              <p:cNvSpPr/>
-              <p:nvPr/>
-            </p:nvSpPr>
-            <p:spPr>
-              <a:xfrm rot="10800000">
-                <a:off x="4042409" y="3564890"/>
-                <a:ext cx="342900" cy="1569719"/>
-              </a:xfrm>
-              <a:prstGeom prst="triangle">
-                <a:avLst/>
-              </a:prstGeom>
-              <a:ln>
-                <a:noFill/>
-              </a:ln>
-            </p:spPr>
-            <p:style>
-              <a:lnRef idx="2">
-                <a:schemeClr val="accent1">
-                  <a:shade val="50000"/>
-                </a:schemeClr>
-              </a:lnRef>
-              <a:fillRef idx="1">
-                <a:schemeClr val="accent1"/>
-              </a:fillRef>
-              <a:effectRef idx="0">
-                <a:schemeClr val="accent1"/>
-              </a:effectRef>
-              <a:fontRef idx="minor">
-                <a:schemeClr val="lt1"/>
-              </a:fontRef>
-            </p:style>
-            <p:txBody>
-              <a:bodyPr rtlCol="0" anchor="ctr"/>
-              <a:lstStyle/>
-              <a:p>
-                <a:pPr algn="ctr"/>
-                <a:endParaRPr lang="en-US"/>
-              </a:p>
-            </p:txBody>
-          </p:sp>
         </p:grpSp>
         <p:sp>
           <p:nvSpPr>
@@ -3695,7 +3730,7 @@
           <p:spPr>
             <a:xfrm>
               <a:off x="1223295" y="4129157"/>
-              <a:ext cx="5981125" cy="707886"/>
+              <a:ext cx="6195927" cy="707886"/>
             </a:xfrm>
             <a:prstGeom prst="rect">
               <a:avLst/>
@@ -3711,7 +3746,9 @@
               <a:r>
                 <a:rPr lang="en-US" sz="4000" b="1" dirty="0">
                   <a:solidFill>
-                    <a:schemeClr val="bg1"/>
+                    <a:schemeClr val="bg1">
+                      <a:lumMod val="95000"/>
+                    </a:schemeClr>
                   </a:solidFill>
                   <a:latin typeface="Posterama" panose="020B0504020200020000" pitchFamily="34" charset="0"/>
                   <a:cs typeface="Posterama" panose="020B0504020200020000" pitchFamily="34" charset="0"/>
